--- a/ppt 16-9/1228.明天歌.pptx
+++ b/ppt 16-9/1228.明天歌.pptx
@@ -5,7 +5,7 @@
     <p:sldMasterId id="2147483648" r:id="rId1"/>
   </p:sldMasterIdLst>
   <p:sldIdLst>
-    <p:sldId id="762" r:id="rId2"/>
+    <p:sldId id="763" r:id="rId2"/>
   </p:sldIdLst>
   <p:sldSz cx="12192000" cy="6858000"/>
   <p:notesSz cx="6858000" cy="9144000"/>
@@ -129,7 +129,7 @@
           <p:cNvPr id="2" name="标题 1">
             <a:extLst>
               <a:ext uri="{FF2B5EF4-FFF2-40B4-BE49-F238E27FC236}">
-                <a16:creationId xmlns:a16="http://schemas.microsoft.com/office/drawing/2014/main" id="{63DB20DB-0AFA-DDA1-23CD-2231283093EB}"/>
+                <a16:creationId xmlns:a16="http://schemas.microsoft.com/office/drawing/2014/main" id="{575423D5-1ADB-5BF8-D24F-F6A044AA07B3}"/>
               </a:ext>
             </a:extLst>
           </p:cNvPr>
@@ -166,7 +166,7 @@
           <p:cNvPr id="3" name="副标题 2">
             <a:extLst>
               <a:ext uri="{FF2B5EF4-FFF2-40B4-BE49-F238E27FC236}">
-                <a16:creationId xmlns:a16="http://schemas.microsoft.com/office/drawing/2014/main" id="{582991E6-B60B-BCDF-DA21-A49C4279C55C}"/>
+                <a16:creationId xmlns:a16="http://schemas.microsoft.com/office/drawing/2014/main" id="{D13FEE22-8B7A-5767-F9AF-31CF84A55177}"/>
               </a:ext>
             </a:extLst>
           </p:cNvPr>
@@ -236,7 +236,7 @@
           <p:cNvPr id="4" name="日期占位符 3">
             <a:extLst>
               <a:ext uri="{FF2B5EF4-FFF2-40B4-BE49-F238E27FC236}">
-                <a16:creationId xmlns:a16="http://schemas.microsoft.com/office/drawing/2014/main" id="{EF18162F-0DBD-D7D6-9A4B-7687ED49B861}"/>
+                <a16:creationId xmlns:a16="http://schemas.microsoft.com/office/drawing/2014/main" id="{90F20FEB-FD43-8715-B1C4-D65CA9CA5904}"/>
               </a:ext>
             </a:extLst>
           </p:cNvPr>
@@ -252,7 +252,7 @@
           <a:bodyPr/>
           <a:lstStyle/>
           <a:p>
-            <a:fld id="{55832D1C-2FC2-4F63-A159-403B9A99B8D8}" type="datetimeFigureOut">
+            <a:fld id="{C286BEBB-A153-47BB-9D25-99B1F0E39928}" type="datetimeFigureOut">
               <a:rPr lang="zh-CN" altLang="en-US" smtClean="0"/>
               <a:t>2024/3/10</a:t>
             </a:fld>
@@ -265,7 +265,7 @@
           <p:cNvPr id="5" name="页脚占位符 4">
             <a:extLst>
               <a:ext uri="{FF2B5EF4-FFF2-40B4-BE49-F238E27FC236}">
-                <a16:creationId xmlns:a16="http://schemas.microsoft.com/office/drawing/2014/main" id="{DFF49DE7-5FEB-D46F-68B7-9E66FC43DF52}"/>
+                <a16:creationId xmlns:a16="http://schemas.microsoft.com/office/drawing/2014/main" id="{997847E0-FA3E-1125-2DA0-31CBCCD2ED57}"/>
               </a:ext>
             </a:extLst>
           </p:cNvPr>
@@ -290,7 +290,7 @@
           <p:cNvPr id="6" name="灯片编号占位符 5">
             <a:extLst>
               <a:ext uri="{FF2B5EF4-FFF2-40B4-BE49-F238E27FC236}">
-                <a16:creationId xmlns:a16="http://schemas.microsoft.com/office/drawing/2014/main" id="{FCF0C246-4F4E-D179-23BB-7F28BD313873}"/>
+                <a16:creationId xmlns:a16="http://schemas.microsoft.com/office/drawing/2014/main" id="{ACCD8750-5551-B7AB-7282-62C408614368}"/>
               </a:ext>
             </a:extLst>
           </p:cNvPr>
@@ -306,7 +306,7 @@
           <a:bodyPr/>
           <a:lstStyle/>
           <a:p>
-            <a:fld id="{5D5E687C-ED16-43B5-A9E2-722B749DDB50}" type="slidenum">
+            <a:fld id="{27E7A7A7-FA95-4342-BBCE-5CB390BD514A}" type="slidenum">
               <a:rPr lang="zh-CN" altLang="en-US" smtClean="0"/>
               <a:t>‹#›</a:t>
             </a:fld>
@@ -317,7 +317,7 @@
     </p:spTree>
     <p:extLst>
       <p:ext uri="{BB962C8B-B14F-4D97-AF65-F5344CB8AC3E}">
-        <p14:creationId xmlns:p14="http://schemas.microsoft.com/office/powerpoint/2010/main" val="50329109"/>
+        <p14:creationId xmlns:p14="http://schemas.microsoft.com/office/powerpoint/2010/main" val="561240193"/>
       </p:ext>
     </p:extLst>
   </p:cSld>
@@ -349,7 +349,7 @@
           <p:cNvPr id="2" name="标题 1">
             <a:extLst>
               <a:ext uri="{FF2B5EF4-FFF2-40B4-BE49-F238E27FC236}">
-                <a16:creationId xmlns:a16="http://schemas.microsoft.com/office/drawing/2014/main" id="{E525F4F8-CD79-3CB5-09BA-E99FC80F83B1}"/>
+                <a16:creationId xmlns:a16="http://schemas.microsoft.com/office/drawing/2014/main" id="{9A7E8E88-27C6-5ADF-ED5E-F4F526712E61}"/>
               </a:ext>
             </a:extLst>
           </p:cNvPr>
@@ -377,7 +377,7 @@
           <p:cNvPr id="3" name="竖排文字占位符 2">
             <a:extLst>
               <a:ext uri="{FF2B5EF4-FFF2-40B4-BE49-F238E27FC236}">
-                <a16:creationId xmlns:a16="http://schemas.microsoft.com/office/drawing/2014/main" id="{68166773-E8FF-A93A-AAE5-4130B56BBFEC}"/>
+                <a16:creationId xmlns:a16="http://schemas.microsoft.com/office/drawing/2014/main" id="{28004F45-E20A-6EB9-81D2-663CA44CA50F}"/>
               </a:ext>
             </a:extLst>
           </p:cNvPr>
@@ -434,7 +434,7 @@
           <p:cNvPr id="4" name="日期占位符 3">
             <a:extLst>
               <a:ext uri="{FF2B5EF4-FFF2-40B4-BE49-F238E27FC236}">
-                <a16:creationId xmlns:a16="http://schemas.microsoft.com/office/drawing/2014/main" id="{27858D36-7C40-8F91-9A04-3E20264A9633}"/>
+                <a16:creationId xmlns:a16="http://schemas.microsoft.com/office/drawing/2014/main" id="{B1D693E4-AB76-5B62-D2B5-9CF1034F170B}"/>
               </a:ext>
             </a:extLst>
           </p:cNvPr>
@@ -450,7 +450,7 @@
           <a:bodyPr/>
           <a:lstStyle/>
           <a:p>
-            <a:fld id="{55832D1C-2FC2-4F63-A159-403B9A99B8D8}" type="datetimeFigureOut">
+            <a:fld id="{C286BEBB-A153-47BB-9D25-99B1F0E39928}" type="datetimeFigureOut">
               <a:rPr lang="zh-CN" altLang="en-US" smtClean="0"/>
               <a:t>2024/3/10</a:t>
             </a:fld>
@@ -463,7 +463,7 @@
           <p:cNvPr id="5" name="页脚占位符 4">
             <a:extLst>
               <a:ext uri="{FF2B5EF4-FFF2-40B4-BE49-F238E27FC236}">
-                <a16:creationId xmlns:a16="http://schemas.microsoft.com/office/drawing/2014/main" id="{C3459829-A02A-BE24-6294-D932EB48351D}"/>
+                <a16:creationId xmlns:a16="http://schemas.microsoft.com/office/drawing/2014/main" id="{4CD65EA0-3AAE-DAFB-3A57-519D3DC700CF}"/>
               </a:ext>
             </a:extLst>
           </p:cNvPr>
@@ -488,7 +488,7 @@
           <p:cNvPr id="6" name="灯片编号占位符 5">
             <a:extLst>
               <a:ext uri="{FF2B5EF4-FFF2-40B4-BE49-F238E27FC236}">
-                <a16:creationId xmlns:a16="http://schemas.microsoft.com/office/drawing/2014/main" id="{7DC3E478-D146-DBFC-1B1F-B40570E77558}"/>
+                <a16:creationId xmlns:a16="http://schemas.microsoft.com/office/drawing/2014/main" id="{D574D0A1-849C-E6B1-4558-9609E624B129}"/>
               </a:ext>
             </a:extLst>
           </p:cNvPr>
@@ -504,7 +504,7 @@
           <a:bodyPr/>
           <a:lstStyle/>
           <a:p>
-            <a:fld id="{5D5E687C-ED16-43B5-A9E2-722B749DDB50}" type="slidenum">
+            <a:fld id="{27E7A7A7-FA95-4342-BBCE-5CB390BD514A}" type="slidenum">
               <a:rPr lang="zh-CN" altLang="en-US" smtClean="0"/>
               <a:t>‹#›</a:t>
             </a:fld>
@@ -515,7 +515,7 @@
     </p:spTree>
     <p:extLst>
       <p:ext uri="{BB962C8B-B14F-4D97-AF65-F5344CB8AC3E}">
-        <p14:creationId xmlns:p14="http://schemas.microsoft.com/office/powerpoint/2010/main" val="926455129"/>
+        <p14:creationId xmlns:p14="http://schemas.microsoft.com/office/powerpoint/2010/main" val="1663380579"/>
       </p:ext>
     </p:extLst>
   </p:cSld>
@@ -547,7 +547,7 @@
           <p:cNvPr id="2" name="竖排标题 1">
             <a:extLst>
               <a:ext uri="{FF2B5EF4-FFF2-40B4-BE49-F238E27FC236}">
-                <a16:creationId xmlns:a16="http://schemas.microsoft.com/office/drawing/2014/main" id="{1522E0E5-0927-66D5-3CA4-B655A5E16EF9}"/>
+                <a16:creationId xmlns:a16="http://schemas.microsoft.com/office/drawing/2014/main" id="{058F40E4-4277-F21D-CCC8-C4C022CC9024}"/>
               </a:ext>
             </a:extLst>
           </p:cNvPr>
@@ -580,7 +580,7 @@
           <p:cNvPr id="3" name="竖排文字占位符 2">
             <a:extLst>
               <a:ext uri="{FF2B5EF4-FFF2-40B4-BE49-F238E27FC236}">
-                <a16:creationId xmlns:a16="http://schemas.microsoft.com/office/drawing/2014/main" id="{A6EACDB2-23C0-5919-6815-7016645ED90C}"/>
+                <a16:creationId xmlns:a16="http://schemas.microsoft.com/office/drawing/2014/main" id="{36C1F93B-5B43-C059-BC0C-83C48598BD22}"/>
               </a:ext>
             </a:extLst>
           </p:cNvPr>
@@ -642,7 +642,7 @@
           <p:cNvPr id="4" name="日期占位符 3">
             <a:extLst>
               <a:ext uri="{FF2B5EF4-FFF2-40B4-BE49-F238E27FC236}">
-                <a16:creationId xmlns:a16="http://schemas.microsoft.com/office/drawing/2014/main" id="{E3CBE326-188F-D49F-732C-E81DE66B5D31}"/>
+                <a16:creationId xmlns:a16="http://schemas.microsoft.com/office/drawing/2014/main" id="{BC04A01A-5BD3-97BB-F7AE-26CFC03C06BC}"/>
               </a:ext>
             </a:extLst>
           </p:cNvPr>
@@ -658,7 +658,7 @@
           <a:bodyPr/>
           <a:lstStyle/>
           <a:p>
-            <a:fld id="{55832D1C-2FC2-4F63-A159-403B9A99B8D8}" type="datetimeFigureOut">
+            <a:fld id="{C286BEBB-A153-47BB-9D25-99B1F0E39928}" type="datetimeFigureOut">
               <a:rPr lang="zh-CN" altLang="en-US" smtClean="0"/>
               <a:t>2024/3/10</a:t>
             </a:fld>
@@ -671,7 +671,7 @@
           <p:cNvPr id="5" name="页脚占位符 4">
             <a:extLst>
               <a:ext uri="{FF2B5EF4-FFF2-40B4-BE49-F238E27FC236}">
-                <a16:creationId xmlns:a16="http://schemas.microsoft.com/office/drawing/2014/main" id="{601C8E97-5CDC-F0FD-586F-4AAC7523A1B0}"/>
+                <a16:creationId xmlns:a16="http://schemas.microsoft.com/office/drawing/2014/main" id="{212BF85D-DBFE-3384-FDE6-B8E4B3B2425D}"/>
               </a:ext>
             </a:extLst>
           </p:cNvPr>
@@ -696,7 +696,7 @@
           <p:cNvPr id="6" name="灯片编号占位符 5">
             <a:extLst>
               <a:ext uri="{FF2B5EF4-FFF2-40B4-BE49-F238E27FC236}">
-                <a16:creationId xmlns:a16="http://schemas.microsoft.com/office/drawing/2014/main" id="{479E7210-2D1A-3A93-08B2-3A0B873F8E41}"/>
+                <a16:creationId xmlns:a16="http://schemas.microsoft.com/office/drawing/2014/main" id="{30812C51-46E7-6265-53CB-948A4E81ADEA}"/>
               </a:ext>
             </a:extLst>
           </p:cNvPr>
@@ -712,7 +712,7 @@
           <a:bodyPr/>
           <a:lstStyle/>
           <a:p>
-            <a:fld id="{5D5E687C-ED16-43B5-A9E2-722B749DDB50}" type="slidenum">
+            <a:fld id="{27E7A7A7-FA95-4342-BBCE-5CB390BD514A}" type="slidenum">
               <a:rPr lang="zh-CN" altLang="en-US" smtClean="0"/>
               <a:t>‹#›</a:t>
             </a:fld>
@@ -723,7 +723,7 @@
     </p:spTree>
     <p:extLst>
       <p:ext uri="{BB962C8B-B14F-4D97-AF65-F5344CB8AC3E}">
-        <p14:creationId xmlns:p14="http://schemas.microsoft.com/office/powerpoint/2010/main" val="3087235258"/>
+        <p14:creationId xmlns:p14="http://schemas.microsoft.com/office/powerpoint/2010/main" val="1657395602"/>
       </p:ext>
     </p:extLst>
   </p:cSld>
@@ -755,7 +755,7 @@
           <p:cNvPr id="2" name="标题 1">
             <a:extLst>
               <a:ext uri="{FF2B5EF4-FFF2-40B4-BE49-F238E27FC236}">
-                <a16:creationId xmlns:a16="http://schemas.microsoft.com/office/drawing/2014/main" id="{91281878-CC76-15BA-0757-41832F34D2E7}"/>
+                <a16:creationId xmlns:a16="http://schemas.microsoft.com/office/drawing/2014/main" id="{BE20ABF3-92A6-7EDB-B7BD-6A5A522F51BF}"/>
               </a:ext>
             </a:extLst>
           </p:cNvPr>
@@ -783,7 +783,7 @@
           <p:cNvPr id="3" name="内容占位符 2">
             <a:extLst>
               <a:ext uri="{FF2B5EF4-FFF2-40B4-BE49-F238E27FC236}">
-                <a16:creationId xmlns:a16="http://schemas.microsoft.com/office/drawing/2014/main" id="{26C10DBF-EB3F-7BC9-9C3F-73501898B39B}"/>
+                <a16:creationId xmlns:a16="http://schemas.microsoft.com/office/drawing/2014/main" id="{C4518302-D863-A20B-2931-240E54B60C21}"/>
               </a:ext>
             </a:extLst>
           </p:cNvPr>
@@ -840,7 +840,7 @@
           <p:cNvPr id="4" name="日期占位符 3">
             <a:extLst>
               <a:ext uri="{FF2B5EF4-FFF2-40B4-BE49-F238E27FC236}">
-                <a16:creationId xmlns:a16="http://schemas.microsoft.com/office/drawing/2014/main" id="{AFDD0986-446A-5661-B94B-E39AC8A6501E}"/>
+                <a16:creationId xmlns:a16="http://schemas.microsoft.com/office/drawing/2014/main" id="{3C191310-ABA0-0FCE-2FF0-EAA6D40463E5}"/>
               </a:ext>
             </a:extLst>
           </p:cNvPr>
@@ -856,7 +856,7 @@
           <a:bodyPr/>
           <a:lstStyle/>
           <a:p>
-            <a:fld id="{55832D1C-2FC2-4F63-A159-403B9A99B8D8}" type="datetimeFigureOut">
+            <a:fld id="{C286BEBB-A153-47BB-9D25-99B1F0E39928}" type="datetimeFigureOut">
               <a:rPr lang="zh-CN" altLang="en-US" smtClean="0"/>
               <a:t>2024/3/10</a:t>
             </a:fld>
@@ -869,7 +869,7 @@
           <p:cNvPr id="5" name="页脚占位符 4">
             <a:extLst>
               <a:ext uri="{FF2B5EF4-FFF2-40B4-BE49-F238E27FC236}">
-                <a16:creationId xmlns:a16="http://schemas.microsoft.com/office/drawing/2014/main" id="{F353CAF8-850E-A9B7-29E8-D43C4D5AC9A6}"/>
+                <a16:creationId xmlns:a16="http://schemas.microsoft.com/office/drawing/2014/main" id="{389C2F19-9D5E-677E-357A-1570BA2B5B16}"/>
               </a:ext>
             </a:extLst>
           </p:cNvPr>
@@ -894,7 +894,7 @@
           <p:cNvPr id="6" name="灯片编号占位符 5">
             <a:extLst>
               <a:ext uri="{FF2B5EF4-FFF2-40B4-BE49-F238E27FC236}">
-                <a16:creationId xmlns:a16="http://schemas.microsoft.com/office/drawing/2014/main" id="{4679655B-80DD-09A4-C814-D65190B5213C}"/>
+                <a16:creationId xmlns:a16="http://schemas.microsoft.com/office/drawing/2014/main" id="{6DA1EC90-9AEA-701D-CBE3-75CEEDF317CB}"/>
               </a:ext>
             </a:extLst>
           </p:cNvPr>
@@ -910,7 +910,7 @@
           <a:bodyPr/>
           <a:lstStyle/>
           <a:p>
-            <a:fld id="{5D5E687C-ED16-43B5-A9E2-722B749DDB50}" type="slidenum">
+            <a:fld id="{27E7A7A7-FA95-4342-BBCE-5CB390BD514A}" type="slidenum">
               <a:rPr lang="zh-CN" altLang="en-US" smtClean="0"/>
               <a:t>‹#›</a:t>
             </a:fld>
@@ -921,7 +921,7 @@
     </p:spTree>
     <p:extLst>
       <p:ext uri="{BB962C8B-B14F-4D97-AF65-F5344CB8AC3E}">
-        <p14:creationId xmlns:p14="http://schemas.microsoft.com/office/powerpoint/2010/main" val="53615050"/>
+        <p14:creationId xmlns:p14="http://schemas.microsoft.com/office/powerpoint/2010/main" val="3042704610"/>
       </p:ext>
     </p:extLst>
   </p:cSld>
@@ -953,7 +953,7 @@
           <p:cNvPr id="2" name="标题 1">
             <a:extLst>
               <a:ext uri="{FF2B5EF4-FFF2-40B4-BE49-F238E27FC236}">
-                <a16:creationId xmlns:a16="http://schemas.microsoft.com/office/drawing/2014/main" id="{D9B65383-9945-8596-225E-3AF9001A96DE}"/>
+                <a16:creationId xmlns:a16="http://schemas.microsoft.com/office/drawing/2014/main" id="{653548E5-10B7-4B52-AF67-D7EFB002C989}"/>
               </a:ext>
             </a:extLst>
           </p:cNvPr>
@@ -990,7 +990,7 @@
           <p:cNvPr id="3" name="文本占位符 2">
             <a:extLst>
               <a:ext uri="{FF2B5EF4-FFF2-40B4-BE49-F238E27FC236}">
-                <a16:creationId xmlns:a16="http://schemas.microsoft.com/office/drawing/2014/main" id="{228C782B-1D8F-DFA5-3986-C312007DF440}"/>
+                <a16:creationId xmlns:a16="http://schemas.microsoft.com/office/drawing/2014/main" id="{769992A5-ED04-D699-396C-D37904105EAC}"/>
               </a:ext>
             </a:extLst>
           </p:cNvPr>
@@ -1115,7 +1115,7 @@
           <p:cNvPr id="4" name="日期占位符 3">
             <a:extLst>
               <a:ext uri="{FF2B5EF4-FFF2-40B4-BE49-F238E27FC236}">
-                <a16:creationId xmlns:a16="http://schemas.microsoft.com/office/drawing/2014/main" id="{A79D5F4D-0E99-1348-EF21-0E555A74E480}"/>
+                <a16:creationId xmlns:a16="http://schemas.microsoft.com/office/drawing/2014/main" id="{4B508EF1-9676-3E41-36AE-F31ABA5A16DD}"/>
               </a:ext>
             </a:extLst>
           </p:cNvPr>
@@ -1131,7 +1131,7 @@
           <a:bodyPr/>
           <a:lstStyle/>
           <a:p>
-            <a:fld id="{55832D1C-2FC2-4F63-A159-403B9A99B8D8}" type="datetimeFigureOut">
+            <a:fld id="{C286BEBB-A153-47BB-9D25-99B1F0E39928}" type="datetimeFigureOut">
               <a:rPr lang="zh-CN" altLang="en-US" smtClean="0"/>
               <a:t>2024/3/10</a:t>
             </a:fld>
@@ -1144,7 +1144,7 @@
           <p:cNvPr id="5" name="页脚占位符 4">
             <a:extLst>
               <a:ext uri="{FF2B5EF4-FFF2-40B4-BE49-F238E27FC236}">
-                <a16:creationId xmlns:a16="http://schemas.microsoft.com/office/drawing/2014/main" id="{D201C232-8D77-0D39-DCDA-FE2400D0F01B}"/>
+                <a16:creationId xmlns:a16="http://schemas.microsoft.com/office/drawing/2014/main" id="{619CE7D5-5916-D13A-D41E-FE770563B874}"/>
               </a:ext>
             </a:extLst>
           </p:cNvPr>
@@ -1169,7 +1169,7 @@
           <p:cNvPr id="6" name="灯片编号占位符 5">
             <a:extLst>
               <a:ext uri="{FF2B5EF4-FFF2-40B4-BE49-F238E27FC236}">
-                <a16:creationId xmlns:a16="http://schemas.microsoft.com/office/drawing/2014/main" id="{37F32187-6572-586F-B4E1-6EFE36A9D0E4}"/>
+                <a16:creationId xmlns:a16="http://schemas.microsoft.com/office/drawing/2014/main" id="{3C106CBB-6299-99D0-F758-DDB322642D11}"/>
               </a:ext>
             </a:extLst>
           </p:cNvPr>
@@ -1185,7 +1185,7 @@
           <a:bodyPr/>
           <a:lstStyle/>
           <a:p>
-            <a:fld id="{5D5E687C-ED16-43B5-A9E2-722B749DDB50}" type="slidenum">
+            <a:fld id="{27E7A7A7-FA95-4342-BBCE-5CB390BD514A}" type="slidenum">
               <a:rPr lang="zh-CN" altLang="en-US" smtClean="0"/>
               <a:t>‹#›</a:t>
             </a:fld>
@@ -1196,7 +1196,7 @@
     </p:spTree>
     <p:extLst>
       <p:ext uri="{BB962C8B-B14F-4D97-AF65-F5344CB8AC3E}">
-        <p14:creationId xmlns:p14="http://schemas.microsoft.com/office/powerpoint/2010/main" val="1688007710"/>
+        <p14:creationId xmlns:p14="http://schemas.microsoft.com/office/powerpoint/2010/main" val="760865741"/>
       </p:ext>
     </p:extLst>
   </p:cSld>
@@ -1228,7 +1228,7 @@
           <p:cNvPr id="2" name="标题 1">
             <a:extLst>
               <a:ext uri="{FF2B5EF4-FFF2-40B4-BE49-F238E27FC236}">
-                <a16:creationId xmlns:a16="http://schemas.microsoft.com/office/drawing/2014/main" id="{B309AD82-C58B-9A74-049C-7E213CCF4D53}"/>
+                <a16:creationId xmlns:a16="http://schemas.microsoft.com/office/drawing/2014/main" id="{DD2E459C-5E93-1C66-938B-283C8083797E}"/>
               </a:ext>
             </a:extLst>
           </p:cNvPr>
@@ -1256,7 +1256,7 @@
           <p:cNvPr id="3" name="内容占位符 2">
             <a:extLst>
               <a:ext uri="{FF2B5EF4-FFF2-40B4-BE49-F238E27FC236}">
-                <a16:creationId xmlns:a16="http://schemas.microsoft.com/office/drawing/2014/main" id="{3E4F4555-BCDB-BBC6-E557-B4AEC8245C3C}"/>
+                <a16:creationId xmlns:a16="http://schemas.microsoft.com/office/drawing/2014/main" id="{39621DC4-551C-BFAC-D434-8FECFAD75706}"/>
               </a:ext>
             </a:extLst>
           </p:cNvPr>
@@ -1318,7 +1318,7 @@
           <p:cNvPr id="4" name="内容占位符 3">
             <a:extLst>
               <a:ext uri="{FF2B5EF4-FFF2-40B4-BE49-F238E27FC236}">
-                <a16:creationId xmlns:a16="http://schemas.microsoft.com/office/drawing/2014/main" id="{DD6B4F39-B127-1557-E2F8-E671BE1AD11B}"/>
+                <a16:creationId xmlns:a16="http://schemas.microsoft.com/office/drawing/2014/main" id="{21304C29-A52B-2B1F-FEF4-BBD4E68626F0}"/>
               </a:ext>
             </a:extLst>
           </p:cNvPr>
@@ -1380,7 +1380,7 @@
           <p:cNvPr id="5" name="日期占位符 4">
             <a:extLst>
               <a:ext uri="{FF2B5EF4-FFF2-40B4-BE49-F238E27FC236}">
-                <a16:creationId xmlns:a16="http://schemas.microsoft.com/office/drawing/2014/main" id="{89F0CDD9-02CA-47C6-2CF5-134B66B4C097}"/>
+                <a16:creationId xmlns:a16="http://schemas.microsoft.com/office/drawing/2014/main" id="{36A4A603-5C50-7451-9F3E-5D82706A0BF1}"/>
               </a:ext>
             </a:extLst>
           </p:cNvPr>
@@ -1396,7 +1396,7 @@
           <a:bodyPr/>
           <a:lstStyle/>
           <a:p>
-            <a:fld id="{55832D1C-2FC2-4F63-A159-403B9A99B8D8}" type="datetimeFigureOut">
+            <a:fld id="{C286BEBB-A153-47BB-9D25-99B1F0E39928}" type="datetimeFigureOut">
               <a:rPr lang="zh-CN" altLang="en-US" smtClean="0"/>
               <a:t>2024/3/10</a:t>
             </a:fld>
@@ -1409,7 +1409,7 @@
           <p:cNvPr id="6" name="页脚占位符 5">
             <a:extLst>
               <a:ext uri="{FF2B5EF4-FFF2-40B4-BE49-F238E27FC236}">
-                <a16:creationId xmlns:a16="http://schemas.microsoft.com/office/drawing/2014/main" id="{DEEF4F76-6677-653D-432B-9F350DE592BA}"/>
+                <a16:creationId xmlns:a16="http://schemas.microsoft.com/office/drawing/2014/main" id="{A6E856C1-0AE3-E31C-0C13-F0DC7CD8A310}"/>
               </a:ext>
             </a:extLst>
           </p:cNvPr>
@@ -1434,7 +1434,7 @@
           <p:cNvPr id="7" name="灯片编号占位符 6">
             <a:extLst>
               <a:ext uri="{FF2B5EF4-FFF2-40B4-BE49-F238E27FC236}">
-                <a16:creationId xmlns:a16="http://schemas.microsoft.com/office/drawing/2014/main" id="{A741C189-8D6E-38CE-FAFE-FE1220F428D5}"/>
+                <a16:creationId xmlns:a16="http://schemas.microsoft.com/office/drawing/2014/main" id="{64D3B557-B68A-A42A-72F0-440401C304B1}"/>
               </a:ext>
             </a:extLst>
           </p:cNvPr>
@@ -1450,7 +1450,7 @@
           <a:bodyPr/>
           <a:lstStyle/>
           <a:p>
-            <a:fld id="{5D5E687C-ED16-43B5-A9E2-722B749DDB50}" type="slidenum">
+            <a:fld id="{27E7A7A7-FA95-4342-BBCE-5CB390BD514A}" type="slidenum">
               <a:rPr lang="zh-CN" altLang="en-US" smtClean="0"/>
               <a:t>‹#›</a:t>
             </a:fld>
@@ -1461,7 +1461,7 @@
     </p:spTree>
     <p:extLst>
       <p:ext uri="{BB962C8B-B14F-4D97-AF65-F5344CB8AC3E}">
-        <p14:creationId xmlns:p14="http://schemas.microsoft.com/office/powerpoint/2010/main" val="303119449"/>
+        <p14:creationId xmlns:p14="http://schemas.microsoft.com/office/powerpoint/2010/main" val="1432152421"/>
       </p:ext>
     </p:extLst>
   </p:cSld>
@@ -1493,7 +1493,7 @@
           <p:cNvPr id="2" name="标题 1">
             <a:extLst>
               <a:ext uri="{FF2B5EF4-FFF2-40B4-BE49-F238E27FC236}">
-                <a16:creationId xmlns:a16="http://schemas.microsoft.com/office/drawing/2014/main" id="{2EE5D12E-8F2B-1812-7631-0F0D361BE307}"/>
+                <a16:creationId xmlns:a16="http://schemas.microsoft.com/office/drawing/2014/main" id="{502CFDE4-0E8D-B5AF-AB21-CDF2DE8D4DD2}"/>
               </a:ext>
             </a:extLst>
           </p:cNvPr>
@@ -1526,7 +1526,7 @@
           <p:cNvPr id="3" name="文本占位符 2">
             <a:extLst>
               <a:ext uri="{FF2B5EF4-FFF2-40B4-BE49-F238E27FC236}">
-                <a16:creationId xmlns:a16="http://schemas.microsoft.com/office/drawing/2014/main" id="{4251B0F0-21DE-E323-C687-27A70C6E01C6}"/>
+                <a16:creationId xmlns:a16="http://schemas.microsoft.com/office/drawing/2014/main" id="{FFE53998-F6A3-3852-C04B-B1FDAFB37D10}"/>
               </a:ext>
             </a:extLst>
           </p:cNvPr>
@@ -1597,7 +1597,7 @@
           <p:cNvPr id="4" name="内容占位符 3">
             <a:extLst>
               <a:ext uri="{FF2B5EF4-FFF2-40B4-BE49-F238E27FC236}">
-                <a16:creationId xmlns:a16="http://schemas.microsoft.com/office/drawing/2014/main" id="{B51EAEF0-FEEE-DAD0-D748-64C0D94849D8}"/>
+                <a16:creationId xmlns:a16="http://schemas.microsoft.com/office/drawing/2014/main" id="{EE1D1F97-E102-0E0F-E2B9-ADD19FA20967}"/>
               </a:ext>
             </a:extLst>
           </p:cNvPr>
@@ -1659,7 +1659,7 @@
           <p:cNvPr id="5" name="文本占位符 4">
             <a:extLst>
               <a:ext uri="{FF2B5EF4-FFF2-40B4-BE49-F238E27FC236}">
-                <a16:creationId xmlns:a16="http://schemas.microsoft.com/office/drawing/2014/main" id="{EEF1EF80-315B-E089-6487-1E7179D1781C}"/>
+                <a16:creationId xmlns:a16="http://schemas.microsoft.com/office/drawing/2014/main" id="{76AFB373-039E-AC55-798F-4ECEA225F576}"/>
               </a:ext>
             </a:extLst>
           </p:cNvPr>
@@ -1730,7 +1730,7 @@
           <p:cNvPr id="6" name="内容占位符 5">
             <a:extLst>
               <a:ext uri="{FF2B5EF4-FFF2-40B4-BE49-F238E27FC236}">
-                <a16:creationId xmlns:a16="http://schemas.microsoft.com/office/drawing/2014/main" id="{E0CFBF75-9BAC-51F0-D334-7A255BCA4B24}"/>
+                <a16:creationId xmlns:a16="http://schemas.microsoft.com/office/drawing/2014/main" id="{12A66AC3-C85C-3263-C94D-32DE5622F6FD}"/>
               </a:ext>
             </a:extLst>
           </p:cNvPr>
@@ -1792,7 +1792,7 @@
           <p:cNvPr id="7" name="日期占位符 6">
             <a:extLst>
               <a:ext uri="{FF2B5EF4-FFF2-40B4-BE49-F238E27FC236}">
-                <a16:creationId xmlns:a16="http://schemas.microsoft.com/office/drawing/2014/main" id="{B6D8C537-3389-4FAC-26A6-527650CDF1AB}"/>
+                <a16:creationId xmlns:a16="http://schemas.microsoft.com/office/drawing/2014/main" id="{870C3847-6AF6-FE35-ACC7-460AC58F2554}"/>
               </a:ext>
             </a:extLst>
           </p:cNvPr>
@@ -1808,7 +1808,7 @@
           <a:bodyPr/>
           <a:lstStyle/>
           <a:p>
-            <a:fld id="{55832D1C-2FC2-4F63-A159-403B9A99B8D8}" type="datetimeFigureOut">
+            <a:fld id="{C286BEBB-A153-47BB-9D25-99B1F0E39928}" type="datetimeFigureOut">
               <a:rPr lang="zh-CN" altLang="en-US" smtClean="0"/>
               <a:t>2024/3/10</a:t>
             </a:fld>
@@ -1821,7 +1821,7 @@
           <p:cNvPr id="8" name="页脚占位符 7">
             <a:extLst>
               <a:ext uri="{FF2B5EF4-FFF2-40B4-BE49-F238E27FC236}">
-                <a16:creationId xmlns:a16="http://schemas.microsoft.com/office/drawing/2014/main" id="{726746F9-3078-2D6A-31C5-0B098C330547}"/>
+                <a16:creationId xmlns:a16="http://schemas.microsoft.com/office/drawing/2014/main" id="{9D14BB27-82A4-7D40-60BF-336375E03835}"/>
               </a:ext>
             </a:extLst>
           </p:cNvPr>
@@ -1846,7 +1846,7 @@
           <p:cNvPr id="9" name="灯片编号占位符 8">
             <a:extLst>
               <a:ext uri="{FF2B5EF4-FFF2-40B4-BE49-F238E27FC236}">
-                <a16:creationId xmlns:a16="http://schemas.microsoft.com/office/drawing/2014/main" id="{E9E53C74-6C7D-E373-E47A-2430927C0AE4}"/>
+                <a16:creationId xmlns:a16="http://schemas.microsoft.com/office/drawing/2014/main" id="{9683081B-3F8B-49A1-01A6-7B1A56679222}"/>
               </a:ext>
             </a:extLst>
           </p:cNvPr>
@@ -1862,7 +1862,7 @@
           <a:bodyPr/>
           <a:lstStyle/>
           <a:p>
-            <a:fld id="{5D5E687C-ED16-43B5-A9E2-722B749DDB50}" type="slidenum">
+            <a:fld id="{27E7A7A7-FA95-4342-BBCE-5CB390BD514A}" type="slidenum">
               <a:rPr lang="zh-CN" altLang="en-US" smtClean="0"/>
               <a:t>‹#›</a:t>
             </a:fld>
@@ -1873,7 +1873,7 @@
     </p:spTree>
     <p:extLst>
       <p:ext uri="{BB962C8B-B14F-4D97-AF65-F5344CB8AC3E}">
-        <p14:creationId xmlns:p14="http://schemas.microsoft.com/office/powerpoint/2010/main" val="392513629"/>
+        <p14:creationId xmlns:p14="http://schemas.microsoft.com/office/powerpoint/2010/main" val="3894143372"/>
       </p:ext>
     </p:extLst>
   </p:cSld>
@@ -1905,7 +1905,7 @@
           <p:cNvPr id="2" name="标题 1">
             <a:extLst>
               <a:ext uri="{FF2B5EF4-FFF2-40B4-BE49-F238E27FC236}">
-                <a16:creationId xmlns:a16="http://schemas.microsoft.com/office/drawing/2014/main" id="{F17282A2-A8B4-5CAC-7742-517F4988F62F}"/>
+                <a16:creationId xmlns:a16="http://schemas.microsoft.com/office/drawing/2014/main" id="{253A69ED-D8E2-AFB0-AF88-5276C4E0548E}"/>
               </a:ext>
             </a:extLst>
           </p:cNvPr>
@@ -1933,7 +1933,7 @@
           <p:cNvPr id="3" name="日期占位符 2">
             <a:extLst>
               <a:ext uri="{FF2B5EF4-FFF2-40B4-BE49-F238E27FC236}">
-                <a16:creationId xmlns:a16="http://schemas.microsoft.com/office/drawing/2014/main" id="{78329180-6734-AF5E-FB79-86ED9E17A4FA}"/>
+                <a16:creationId xmlns:a16="http://schemas.microsoft.com/office/drawing/2014/main" id="{258B1FA3-D120-7DFC-A7DC-8245A979B862}"/>
               </a:ext>
             </a:extLst>
           </p:cNvPr>
@@ -1949,7 +1949,7 @@
           <a:bodyPr/>
           <a:lstStyle/>
           <a:p>
-            <a:fld id="{55832D1C-2FC2-4F63-A159-403B9A99B8D8}" type="datetimeFigureOut">
+            <a:fld id="{C286BEBB-A153-47BB-9D25-99B1F0E39928}" type="datetimeFigureOut">
               <a:rPr lang="zh-CN" altLang="en-US" smtClean="0"/>
               <a:t>2024/3/10</a:t>
             </a:fld>
@@ -1962,7 +1962,7 @@
           <p:cNvPr id="4" name="页脚占位符 3">
             <a:extLst>
               <a:ext uri="{FF2B5EF4-FFF2-40B4-BE49-F238E27FC236}">
-                <a16:creationId xmlns:a16="http://schemas.microsoft.com/office/drawing/2014/main" id="{B96339B8-7451-EB08-C83C-D991C2B17365}"/>
+                <a16:creationId xmlns:a16="http://schemas.microsoft.com/office/drawing/2014/main" id="{BBEAF6EC-008C-C474-119F-CCF8D45D6643}"/>
               </a:ext>
             </a:extLst>
           </p:cNvPr>
@@ -1987,7 +1987,7 @@
           <p:cNvPr id="5" name="灯片编号占位符 4">
             <a:extLst>
               <a:ext uri="{FF2B5EF4-FFF2-40B4-BE49-F238E27FC236}">
-                <a16:creationId xmlns:a16="http://schemas.microsoft.com/office/drawing/2014/main" id="{A7778894-556E-9CB8-9445-86A6EC8253B9}"/>
+                <a16:creationId xmlns:a16="http://schemas.microsoft.com/office/drawing/2014/main" id="{E14B1637-42CF-8BD2-2E81-219FA681AC02}"/>
               </a:ext>
             </a:extLst>
           </p:cNvPr>
@@ -2003,7 +2003,7 @@
           <a:bodyPr/>
           <a:lstStyle/>
           <a:p>
-            <a:fld id="{5D5E687C-ED16-43B5-A9E2-722B749DDB50}" type="slidenum">
+            <a:fld id="{27E7A7A7-FA95-4342-BBCE-5CB390BD514A}" type="slidenum">
               <a:rPr lang="zh-CN" altLang="en-US" smtClean="0"/>
               <a:t>‹#›</a:t>
             </a:fld>
@@ -2014,7 +2014,7 @@
     </p:spTree>
     <p:extLst>
       <p:ext uri="{BB962C8B-B14F-4D97-AF65-F5344CB8AC3E}">
-        <p14:creationId xmlns:p14="http://schemas.microsoft.com/office/powerpoint/2010/main" val="469924633"/>
+        <p14:creationId xmlns:p14="http://schemas.microsoft.com/office/powerpoint/2010/main" val="2397613639"/>
       </p:ext>
     </p:extLst>
   </p:cSld>
@@ -2046,7 +2046,7 @@
           <p:cNvPr id="2" name="日期占位符 1">
             <a:extLst>
               <a:ext uri="{FF2B5EF4-FFF2-40B4-BE49-F238E27FC236}">
-                <a16:creationId xmlns:a16="http://schemas.microsoft.com/office/drawing/2014/main" id="{79233E82-48F9-6001-2210-1BDF97513046}"/>
+                <a16:creationId xmlns:a16="http://schemas.microsoft.com/office/drawing/2014/main" id="{E179375B-938B-310E-B5C2-9ADC90931231}"/>
               </a:ext>
             </a:extLst>
           </p:cNvPr>
@@ -2062,7 +2062,7 @@
           <a:bodyPr/>
           <a:lstStyle/>
           <a:p>
-            <a:fld id="{55832D1C-2FC2-4F63-A159-403B9A99B8D8}" type="datetimeFigureOut">
+            <a:fld id="{C286BEBB-A153-47BB-9D25-99B1F0E39928}" type="datetimeFigureOut">
               <a:rPr lang="zh-CN" altLang="en-US" smtClean="0"/>
               <a:t>2024/3/10</a:t>
             </a:fld>
@@ -2075,7 +2075,7 @@
           <p:cNvPr id="3" name="页脚占位符 2">
             <a:extLst>
               <a:ext uri="{FF2B5EF4-FFF2-40B4-BE49-F238E27FC236}">
-                <a16:creationId xmlns:a16="http://schemas.microsoft.com/office/drawing/2014/main" id="{C602E7B1-DE69-85C6-46C3-06751FE14D3F}"/>
+                <a16:creationId xmlns:a16="http://schemas.microsoft.com/office/drawing/2014/main" id="{FAF8EF21-3078-55CA-A023-1D830FA54CB8}"/>
               </a:ext>
             </a:extLst>
           </p:cNvPr>
@@ -2100,7 +2100,7 @@
           <p:cNvPr id="4" name="灯片编号占位符 3">
             <a:extLst>
               <a:ext uri="{FF2B5EF4-FFF2-40B4-BE49-F238E27FC236}">
-                <a16:creationId xmlns:a16="http://schemas.microsoft.com/office/drawing/2014/main" id="{20E7E4DD-7004-B4F0-D9B2-65A1BD0FC6D7}"/>
+                <a16:creationId xmlns:a16="http://schemas.microsoft.com/office/drawing/2014/main" id="{A3C69A21-E078-3471-FB9E-391D511F0160}"/>
               </a:ext>
             </a:extLst>
           </p:cNvPr>
@@ -2116,7 +2116,7 @@
           <a:bodyPr/>
           <a:lstStyle/>
           <a:p>
-            <a:fld id="{5D5E687C-ED16-43B5-A9E2-722B749DDB50}" type="slidenum">
+            <a:fld id="{27E7A7A7-FA95-4342-BBCE-5CB390BD514A}" type="slidenum">
               <a:rPr lang="zh-CN" altLang="en-US" smtClean="0"/>
               <a:t>‹#›</a:t>
             </a:fld>
@@ -2127,7 +2127,7 @@
     </p:spTree>
     <p:extLst>
       <p:ext uri="{BB962C8B-B14F-4D97-AF65-F5344CB8AC3E}">
-        <p14:creationId xmlns:p14="http://schemas.microsoft.com/office/powerpoint/2010/main" val="4045179976"/>
+        <p14:creationId xmlns:p14="http://schemas.microsoft.com/office/powerpoint/2010/main" val="60666496"/>
       </p:ext>
     </p:extLst>
   </p:cSld>
@@ -2159,7 +2159,7 @@
           <p:cNvPr id="2" name="标题 1">
             <a:extLst>
               <a:ext uri="{FF2B5EF4-FFF2-40B4-BE49-F238E27FC236}">
-                <a16:creationId xmlns:a16="http://schemas.microsoft.com/office/drawing/2014/main" id="{357A756C-0753-E223-D80C-9F007797048A}"/>
+                <a16:creationId xmlns:a16="http://schemas.microsoft.com/office/drawing/2014/main" id="{3C89EEA4-F560-2CEB-0A89-2DE719FB407B}"/>
               </a:ext>
             </a:extLst>
           </p:cNvPr>
@@ -2196,7 +2196,7 @@
           <p:cNvPr id="3" name="内容占位符 2">
             <a:extLst>
               <a:ext uri="{FF2B5EF4-FFF2-40B4-BE49-F238E27FC236}">
-                <a16:creationId xmlns:a16="http://schemas.microsoft.com/office/drawing/2014/main" id="{B617D435-2CBF-B489-D426-1FDBFFD566E1}"/>
+                <a16:creationId xmlns:a16="http://schemas.microsoft.com/office/drawing/2014/main" id="{F55D7D72-29FC-F3BF-8DBC-CA01905705FC}"/>
               </a:ext>
             </a:extLst>
           </p:cNvPr>
@@ -2286,7 +2286,7 @@
           <p:cNvPr id="4" name="文本占位符 3">
             <a:extLst>
               <a:ext uri="{FF2B5EF4-FFF2-40B4-BE49-F238E27FC236}">
-                <a16:creationId xmlns:a16="http://schemas.microsoft.com/office/drawing/2014/main" id="{AABDFA17-3D51-B5B2-265E-29B18B826A63}"/>
+                <a16:creationId xmlns:a16="http://schemas.microsoft.com/office/drawing/2014/main" id="{EA51ADE6-10F6-2447-90FA-3A4A34F10EA3}"/>
               </a:ext>
             </a:extLst>
           </p:cNvPr>
@@ -2357,7 +2357,7 @@
           <p:cNvPr id="5" name="日期占位符 4">
             <a:extLst>
               <a:ext uri="{FF2B5EF4-FFF2-40B4-BE49-F238E27FC236}">
-                <a16:creationId xmlns:a16="http://schemas.microsoft.com/office/drawing/2014/main" id="{30569AFA-EABB-2E4E-6D58-DE1C14158BE4}"/>
+                <a16:creationId xmlns:a16="http://schemas.microsoft.com/office/drawing/2014/main" id="{5588D994-C754-F63D-F154-69E641EBC962}"/>
               </a:ext>
             </a:extLst>
           </p:cNvPr>
@@ -2373,7 +2373,7 @@
           <a:bodyPr/>
           <a:lstStyle/>
           <a:p>
-            <a:fld id="{55832D1C-2FC2-4F63-A159-403B9A99B8D8}" type="datetimeFigureOut">
+            <a:fld id="{C286BEBB-A153-47BB-9D25-99B1F0E39928}" type="datetimeFigureOut">
               <a:rPr lang="zh-CN" altLang="en-US" smtClean="0"/>
               <a:t>2024/3/10</a:t>
             </a:fld>
@@ -2386,7 +2386,7 @@
           <p:cNvPr id="6" name="页脚占位符 5">
             <a:extLst>
               <a:ext uri="{FF2B5EF4-FFF2-40B4-BE49-F238E27FC236}">
-                <a16:creationId xmlns:a16="http://schemas.microsoft.com/office/drawing/2014/main" id="{E1EEBB6D-BD95-5B1C-9C69-C67F0D5D3B67}"/>
+                <a16:creationId xmlns:a16="http://schemas.microsoft.com/office/drawing/2014/main" id="{838B6635-995C-F25A-641F-3A49AC721DA0}"/>
               </a:ext>
             </a:extLst>
           </p:cNvPr>
@@ -2411,7 +2411,7 @@
           <p:cNvPr id="7" name="灯片编号占位符 6">
             <a:extLst>
               <a:ext uri="{FF2B5EF4-FFF2-40B4-BE49-F238E27FC236}">
-                <a16:creationId xmlns:a16="http://schemas.microsoft.com/office/drawing/2014/main" id="{F668D489-E6E3-0D82-D4BA-ECAC71D421E1}"/>
+                <a16:creationId xmlns:a16="http://schemas.microsoft.com/office/drawing/2014/main" id="{5AEA2B56-657C-A7EB-0BEA-DAD3C794C039}"/>
               </a:ext>
             </a:extLst>
           </p:cNvPr>
@@ -2427,7 +2427,7 @@
           <a:bodyPr/>
           <a:lstStyle/>
           <a:p>
-            <a:fld id="{5D5E687C-ED16-43B5-A9E2-722B749DDB50}" type="slidenum">
+            <a:fld id="{27E7A7A7-FA95-4342-BBCE-5CB390BD514A}" type="slidenum">
               <a:rPr lang="zh-CN" altLang="en-US" smtClean="0"/>
               <a:t>‹#›</a:t>
             </a:fld>
@@ -2438,7 +2438,7 @@
     </p:spTree>
     <p:extLst>
       <p:ext uri="{BB962C8B-B14F-4D97-AF65-F5344CB8AC3E}">
-        <p14:creationId xmlns:p14="http://schemas.microsoft.com/office/powerpoint/2010/main" val="2968725919"/>
+        <p14:creationId xmlns:p14="http://schemas.microsoft.com/office/powerpoint/2010/main" val="3696291575"/>
       </p:ext>
     </p:extLst>
   </p:cSld>
@@ -2470,7 +2470,7 @@
           <p:cNvPr id="2" name="标题 1">
             <a:extLst>
               <a:ext uri="{FF2B5EF4-FFF2-40B4-BE49-F238E27FC236}">
-                <a16:creationId xmlns:a16="http://schemas.microsoft.com/office/drawing/2014/main" id="{018568E6-444E-A7DC-6506-50E96AB97E45}"/>
+                <a16:creationId xmlns:a16="http://schemas.microsoft.com/office/drawing/2014/main" id="{2FA84345-6200-A199-41DE-B5D4867BAAAD}"/>
               </a:ext>
             </a:extLst>
           </p:cNvPr>
@@ -2507,7 +2507,7 @@
           <p:cNvPr id="3" name="图片占位符 2">
             <a:extLst>
               <a:ext uri="{FF2B5EF4-FFF2-40B4-BE49-F238E27FC236}">
-                <a16:creationId xmlns:a16="http://schemas.microsoft.com/office/drawing/2014/main" id="{BEE8C262-A3F7-F78B-AC7B-6A3BA9A4875C}"/>
+                <a16:creationId xmlns:a16="http://schemas.microsoft.com/office/drawing/2014/main" id="{6708437A-AADC-B552-8C68-E960FBE91276}"/>
               </a:ext>
             </a:extLst>
           </p:cNvPr>
@@ -2574,7 +2574,7 @@
           <p:cNvPr id="4" name="文本占位符 3">
             <a:extLst>
               <a:ext uri="{FF2B5EF4-FFF2-40B4-BE49-F238E27FC236}">
-                <a16:creationId xmlns:a16="http://schemas.microsoft.com/office/drawing/2014/main" id="{8B4CF973-698B-FE88-ECB4-4047A8475610}"/>
+                <a16:creationId xmlns:a16="http://schemas.microsoft.com/office/drawing/2014/main" id="{2CDFDFD2-5769-7703-E450-27161B8C881B}"/>
               </a:ext>
             </a:extLst>
           </p:cNvPr>
@@ -2645,7 +2645,7 @@
           <p:cNvPr id="5" name="日期占位符 4">
             <a:extLst>
               <a:ext uri="{FF2B5EF4-FFF2-40B4-BE49-F238E27FC236}">
-                <a16:creationId xmlns:a16="http://schemas.microsoft.com/office/drawing/2014/main" id="{C191B40C-83DF-598F-04BA-5838363050AA}"/>
+                <a16:creationId xmlns:a16="http://schemas.microsoft.com/office/drawing/2014/main" id="{5AD4966C-7CB3-3671-B2FC-518FB81B4A8E}"/>
               </a:ext>
             </a:extLst>
           </p:cNvPr>
@@ -2661,7 +2661,7 @@
           <a:bodyPr/>
           <a:lstStyle/>
           <a:p>
-            <a:fld id="{55832D1C-2FC2-4F63-A159-403B9A99B8D8}" type="datetimeFigureOut">
+            <a:fld id="{C286BEBB-A153-47BB-9D25-99B1F0E39928}" type="datetimeFigureOut">
               <a:rPr lang="zh-CN" altLang="en-US" smtClean="0"/>
               <a:t>2024/3/10</a:t>
             </a:fld>
@@ -2674,7 +2674,7 @@
           <p:cNvPr id="6" name="页脚占位符 5">
             <a:extLst>
               <a:ext uri="{FF2B5EF4-FFF2-40B4-BE49-F238E27FC236}">
-                <a16:creationId xmlns:a16="http://schemas.microsoft.com/office/drawing/2014/main" id="{49EE5817-F401-A4B3-D8EF-C5AAC1C53659}"/>
+                <a16:creationId xmlns:a16="http://schemas.microsoft.com/office/drawing/2014/main" id="{BE2FDF6B-DB90-D0E1-EFD9-47376BAC2333}"/>
               </a:ext>
             </a:extLst>
           </p:cNvPr>
@@ -2699,7 +2699,7 @@
           <p:cNvPr id="7" name="灯片编号占位符 6">
             <a:extLst>
               <a:ext uri="{FF2B5EF4-FFF2-40B4-BE49-F238E27FC236}">
-                <a16:creationId xmlns:a16="http://schemas.microsoft.com/office/drawing/2014/main" id="{2E22F30D-FC3E-6918-3FE8-C08EAF03F16B}"/>
+                <a16:creationId xmlns:a16="http://schemas.microsoft.com/office/drawing/2014/main" id="{464DB05A-8393-B41E-0E1D-215F9A11F0A0}"/>
               </a:ext>
             </a:extLst>
           </p:cNvPr>
@@ -2715,7 +2715,7 @@
           <a:bodyPr/>
           <a:lstStyle/>
           <a:p>
-            <a:fld id="{5D5E687C-ED16-43B5-A9E2-722B749DDB50}" type="slidenum">
+            <a:fld id="{27E7A7A7-FA95-4342-BBCE-5CB390BD514A}" type="slidenum">
               <a:rPr lang="zh-CN" altLang="en-US" smtClean="0"/>
               <a:t>‹#›</a:t>
             </a:fld>
@@ -2726,7 +2726,7 @@
     </p:spTree>
     <p:extLst>
       <p:ext uri="{BB962C8B-B14F-4D97-AF65-F5344CB8AC3E}">
-        <p14:creationId xmlns:p14="http://schemas.microsoft.com/office/powerpoint/2010/main" val="431387092"/>
+        <p14:creationId xmlns:p14="http://schemas.microsoft.com/office/powerpoint/2010/main" val="245093063"/>
       </p:ext>
     </p:extLst>
   </p:cSld>
@@ -2763,7 +2763,7 @@
           <p:cNvPr id="2" name="标题占位符 1">
             <a:extLst>
               <a:ext uri="{FF2B5EF4-FFF2-40B4-BE49-F238E27FC236}">
-                <a16:creationId xmlns:a16="http://schemas.microsoft.com/office/drawing/2014/main" id="{87260D21-63B4-E42A-ED54-9D80411B20F5}"/>
+                <a16:creationId xmlns:a16="http://schemas.microsoft.com/office/drawing/2014/main" id="{72BB175D-0DC4-47A6-333B-D83BDCE673BB}"/>
               </a:ext>
             </a:extLst>
           </p:cNvPr>
@@ -2801,7 +2801,7 @@
           <p:cNvPr id="3" name="文本占位符 2">
             <a:extLst>
               <a:ext uri="{FF2B5EF4-FFF2-40B4-BE49-F238E27FC236}">
-                <a16:creationId xmlns:a16="http://schemas.microsoft.com/office/drawing/2014/main" id="{2A557384-938E-ACE0-C61E-22F537DBC94E}"/>
+                <a16:creationId xmlns:a16="http://schemas.microsoft.com/office/drawing/2014/main" id="{F9E808B3-99BD-6CB5-7BD3-B6FF12B72609}"/>
               </a:ext>
             </a:extLst>
           </p:cNvPr>
@@ -2868,7 +2868,7 @@
           <p:cNvPr id="4" name="日期占位符 3">
             <a:extLst>
               <a:ext uri="{FF2B5EF4-FFF2-40B4-BE49-F238E27FC236}">
-                <a16:creationId xmlns:a16="http://schemas.microsoft.com/office/drawing/2014/main" id="{CE975AE2-30B5-A101-8E17-503E6DFC6527}"/>
+                <a16:creationId xmlns:a16="http://schemas.microsoft.com/office/drawing/2014/main" id="{2CF480D3-CA4C-A91F-40A2-A7AE8C8C9239}"/>
               </a:ext>
             </a:extLst>
           </p:cNvPr>
@@ -2902,7 +2902,7 @@
             </a:lvl1pPr>
           </a:lstStyle>
           <a:p>
-            <a:fld id="{55832D1C-2FC2-4F63-A159-403B9A99B8D8}" type="datetimeFigureOut">
+            <a:fld id="{C286BEBB-A153-47BB-9D25-99B1F0E39928}" type="datetimeFigureOut">
               <a:rPr lang="zh-CN" altLang="en-US" smtClean="0"/>
               <a:t>2024/3/10</a:t>
             </a:fld>
@@ -2915,7 +2915,7 @@
           <p:cNvPr id="5" name="页脚占位符 4">
             <a:extLst>
               <a:ext uri="{FF2B5EF4-FFF2-40B4-BE49-F238E27FC236}">
-                <a16:creationId xmlns:a16="http://schemas.microsoft.com/office/drawing/2014/main" id="{E6A9BDA0-A2BD-2C80-97D0-4B43D91489FE}"/>
+                <a16:creationId xmlns:a16="http://schemas.microsoft.com/office/drawing/2014/main" id="{B2C74072-3C9D-7AD4-BE24-3EF24242D46D}"/>
               </a:ext>
             </a:extLst>
           </p:cNvPr>
@@ -2958,7 +2958,7 @@
           <p:cNvPr id="6" name="灯片编号占位符 5">
             <a:extLst>
               <a:ext uri="{FF2B5EF4-FFF2-40B4-BE49-F238E27FC236}">
-                <a16:creationId xmlns:a16="http://schemas.microsoft.com/office/drawing/2014/main" id="{1AF2EA66-17E5-7762-F51D-9B9C4145844E}"/>
+                <a16:creationId xmlns:a16="http://schemas.microsoft.com/office/drawing/2014/main" id="{469D758B-49A8-35C3-BFE9-7F521536AA06}"/>
               </a:ext>
             </a:extLst>
           </p:cNvPr>
@@ -2992,7 +2992,7 @@
             </a:lvl1pPr>
           </a:lstStyle>
           <a:p>
-            <a:fld id="{5D5E687C-ED16-43B5-A9E2-722B749DDB50}" type="slidenum">
+            <a:fld id="{27E7A7A7-FA95-4342-BBCE-5CB390BD514A}" type="slidenum">
               <a:rPr lang="zh-CN" altLang="en-US" smtClean="0"/>
               <a:t>‹#›</a:t>
             </a:fld>
@@ -3003,7 +3003,7 @@
     </p:spTree>
     <p:extLst>
       <p:ext uri="{BB962C8B-B14F-4D97-AF65-F5344CB8AC3E}">
-        <p14:creationId xmlns:p14="http://schemas.microsoft.com/office/powerpoint/2010/main" val="1614976737"/>
+        <p14:creationId xmlns:p14="http://schemas.microsoft.com/office/powerpoint/2010/main" val="2465167045"/>
       </p:ext>
     </p:extLst>
   </p:cSld>
@@ -3323,7 +3323,7 @@
       </p:grpSpPr>
       <p:pic>
         <p:nvPicPr>
-          <p:cNvPr id="1257474" name="Picture 2" descr="1227"/>
+          <p:cNvPr id="1258498" name="Picture 2" descr="1228"/>
           <p:cNvPicPr>
             <a:picLocks noChangeAspect="1" noChangeArrowheads="1"/>
           </p:cNvPicPr>
@@ -3344,8 +3344,8 @@
         </p:blipFill>
         <p:spPr bwMode="auto">
           <a:xfrm>
-            <a:off x="1524000" y="0"/>
-            <a:ext cx="9144000" cy="6858000"/>
+            <a:off x="1524000" y="14288"/>
+            <a:ext cx="9124950" cy="6843712"/>
           </a:xfrm>
           <a:prstGeom prst="rect">
             <a:avLst/>
@@ -3375,11 +3375,275 @@
           </a:extLst>
         </p:spPr>
       </p:pic>
+      <p:pic>
+        <p:nvPicPr>
+          <p:cNvPr id="1259523" name="Picture 3" descr="1228-2"/>
+          <p:cNvPicPr>
+            <a:picLocks noChangeAspect="1" noChangeArrowheads="1"/>
+          </p:cNvPicPr>
+          <p:nvPr/>
+        </p:nvPicPr>
+        <p:blipFill>
+          <a:blip r:embed="rId3">
+            <a:extLst>
+              <a:ext uri="{28A0092B-C50C-407E-A947-70E740481C1C}">
+                <a14:useLocalDpi xmlns:a14="http://schemas.microsoft.com/office/drawing/2010/main" val="0"/>
+              </a:ext>
+            </a:extLst>
+          </a:blip>
+          <a:srcRect/>
+          <a:stretch>
+            <a:fillRect/>
+          </a:stretch>
+        </p:blipFill>
+        <p:spPr bwMode="auto">
+          <a:xfrm>
+            <a:off x="1524000" y="-14288"/>
+            <a:ext cx="9144000" cy="6845301"/>
+          </a:xfrm>
+          <a:prstGeom prst="rect">
+            <a:avLst/>
+          </a:prstGeom>
+          <a:noFill/>
+          <a:ln>
+            <a:noFill/>
+          </a:ln>
+          <a:effectLst/>
+          <a:extLst>
+            <a:ext uri="{909E8E84-426E-40DD-AFC4-6F175D3DCCD1}">
+              <a14:hiddenFill xmlns:a14="http://schemas.microsoft.com/office/drawing/2010/main">
+                <a:solidFill>
+                  <a:srgbClr val="FFFFFF"/>
+                </a:solidFill>
+              </a14:hiddenFill>
+            </a:ext>
+            <a:ext uri="{91240B29-F687-4F45-9708-019B960494DF}">
+              <a14:hiddenLine xmlns:a14="http://schemas.microsoft.com/office/drawing/2010/main" w="9525">
+                <a:solidFill>
+                  <a:srgbClr val="000000"/>
+                </a:solidFill>
+                <a:miter lim="800000"/>
+                <a:headEnd/>
+                <a:tailEnd/>
+              </a14:hiddenLine>
+            </a:ext>
+            <a:ext uri="{AF507438-7753-43E0-B8FC-AC1667EBCBE1}">
+              <a14:hiddenEffects xmlns:a14="http://schemas.microsoft.com/office/drawing/2010/main">
+                <a:effectLst>
+                  <a:outerShdw dist="35921" dir="2700000" algn="ctr" rotWithShape="0">
+                    <a:srgbClr val="808080"/>
+                  </a:outerShdw>
+                </a:effectLst>
+              </a14:hiddenEffects>
+            </a:ext>
+          </a:extLst>
+        </p:spPr>
+      </p:pic>
+      <p:pic>
+        <p:nvPicPr>
+          <p:cNvPr id="1259524" name="Picture 4" descr="1228-3"/>
+          <p:cNvPicPr>
+            <a:picLocks noChangeAspect="1" noChangeArrowheads="1"/>
+          </p:cNvPicPr>
+          <p:nvPr/>
+        </p:nvPicPr>
+        <p:blipFill>
+          <a:blip r:embed="rId4">
+            <a:extLst>
+              <a:ext uri="{28A0092B-C50C-407E-A947-70E740481C1C}">
+                <a14:useLocalDpi xmlns:a14="http://schemas.microsoft.com/office/drawing/2010/main" val="0"/>
+              </a:ext>
+            </a:extLst>
+          </a:blip>
+          <a:srcRect/>
+          <a:stretch>
+            <a:fillRect/>
+          </a:stretch>
+        </p:blipFill>
+        <p:spPr bwMode="auto">
+          <a:xfrm>
+            <a:off x="1524000" y="0"/>
+            <a:ext cx="9144000" cy="6859588"/>
+          </a:xfrm>
+          <a:prstGeom prst="rect">
+            <a:avLst/>
+          </a:prstGeom>
+          <a:noFill/>
+          <a:ln>
+            <a:noFill/>
+          </a:ln>
+          <a:effectLst/>
+          <a:extLst>
+            <a:ext uri="{909E8E84-426E-40DD-AFC4-6F175D3DCCD1}">
+              <a14:hiddenFill xmlns:a14="http://schemas.microsoft.com/office/drawing/2010/main">
+                <a:solidFill>
+                  <a:srgbClr val="FFFFFF"/>
+                </a:solidFill>
+              </a14:hiddenFill>
+            </a:ext>
+            <a:ext uri="{91240B29-F687-4F45-9708-019B960494DF}">
+              <a14:hiddenLine xmlns:a14="http://schemas.microsoft.com/office/drawing/2010/main" w="9525">
+                <a:solidFill>
+                  <a:srgbClr val="000000"/>
+                </a:solidFill>
+                <a:miter lim="800000"/>
+                <a:headEnd/>
+                <a:tailEnd/>
+              </a14:hiddenLine>
+            </a:ext>
+            <a:ext uri="{AF507438-7753-43E0-B8FC-AC1667EBCBE1}">
+              <a14:hiddenEffects xmlns:a14="http://schemas.microsoft.com/office/drawing/2010/main">
+                <a:effectLst>
+                  <a:outerShdw dist="35921" dir="2700000" algn="ctr" rotWithShape="0">
+                    <a:srgbClr val="808080"/>
+                  </a:outerShdw>
+                </a:effectLst>
+              </a14:hiddenEffects>
+            </a:ext>
+          </a:extLst>
+        </p:spPr>
+      </p:pic>
     </p:spTree>
   </p:cSld>
   <p:clrMapOvr>
     <a:masterClrMapping/>
   </p:clrMapOvr>
+  <p:timing>
+    <p:tnLst>
+      <p:par>
+        <p:cTn id="1" dur="indefinite" restart="never" nodeType="tmRoot">
+          <p:childTnLst>
+            <p:seq concurrent="1" nextAc="seek">
+              <p:cTn id="2" dur="indefinite" nodeType="mainSeq">
+                <p:childTnLst>
+                  <p:par>
+                    <p:cTn id="3" fill="hold" nodeType="clickPar">
+                      <p:stCondLst>
+                        <p:cond delay="indefinite"/>
+                      </p:stCondLst>
+                      <p:childTnLst>
+                        <p:par>
+                          <p:cTn id="4" fill="hold" nodeType="withGroup">
+                            <p:stCondLst>
+                              <p:cond delay="0"/>
+                            </p:stCondLst>
+                            <p:childTnLst>
+                              <p:par>
+                                <p:cTn id="5" presetID="10" presetClass="entr" presetSubtype="0" fill="hold" nodeType="clickEffect">
+                                  <p:stCondLst>
+                                    <p:cond delay="0"/>
+                                  </p:stCondLst>
+                                  <p:childTnLst>
+                                    <p:set>
+                                      <p:cBhvr>
+                                        <p:cTn id="6" dur="1" fill="hold">
+                                          <p:stCondLst>
+                                            <p:cond delay="0"/>
+                                          </p:stCondLst>
+                                        </p:cTn>
+                                        <p:tgtEl>
+                                          <p:spTgt spid="1259523"/>
+                                        </p:tgtEl>
+                                        <p:attrNameLst>
+                                          <p:attrName>style.visibility</p:attrName>
+                                        </p:attrNameLst>
+                                      </p:cBhvr>
+                                      <p:to>
+                                        <p:strVal val="visible"/>
+                                      </p:to>
+                                    </p:set>
+                                    <p:animEffect transition="in" filter="fade">
+                                      <p:cBhvr>
+                                        <p:cTn id="7" dur="500"/>
+                                        <p:tgtEl>
+                                          <p:spTgt spid="1259523"/>
+                                        </p:tgtEl>
+                                      </p:cBhvr>
+                                    </p:animEffect>
+                                  </p:childTnLst>
+                                </p:cTn>
+                              </p:par>
+                            </p:childTnLst>
+                          </p:cTn>
+                        </p:par>
+                      </p:childTnLst>
+                    </p:cTn>
+                  </p:par>
+                  <p:par>
+                    <p:cTn id="8" fill="hold" nodeType="clickPar">
+                      <p:stCondLst>
+                        <p:cond delay="indefinite"/>
+                      </p:stCondLst>
+                      <p:childTnLst>
+                        <p:par>
+                          <p:cTn id="9" fill="hold" nodeType="withGroup">
+                            <p:stCondLst>
+                              <p:cond delay="0"/>
+                            </p:stCondLst>
+                            <p:childTnLst>
+                              <p:par>
+                                <p:cTn id="10" presetID="10" presetClass="entr" presetSubtype="0" fill="hold" nodeType="clickEffect">
+                                  <p:stCondLst>
+                                    <p:cond delay="0"/>
+                                  </p:stCondLst>
+                                  <p:childTnLst>
+                                    <p:set>
+                                      <p:cBhvr>
+                                        <p:cTn id="11" dur="1" fill="hold">
+                                          <p:stCondLst>
+                                            <p:cond delay="0"/>
+                                          </p:stCondLst>
+                                        </p:cTn>
+                                        <p:tgtEl>
+                                          <p:spTgt spid="1259524"/>
+                                        </p:tgtEl>
+                                        <p:attrNameLst>
+                                          <p:attrName>style.visibility</p:attrName>
+                                        </p:attrNameLst>
+                                      </p:cBhvr>
+                                      <p:to>
+                                        <p:strVal val="visible"/>
+                                      </p:to>
+                                    </p:set>
+                                    <p:animEffect transition="in" filter="fade">
+                                      <p:cBhvr>
+                                        <p:cTn id="12" dur="500"/>
+                                        <p:tgtEl>
+                                          <p:spTgt spid="1259524"/>
+                                        </p:tgtEl>
+                                      </p:cBhvr>
+                                    </p:animEffect>
+                                  </p:childTnLst>
+                                </p:cTn>
+                              </p:par>
+                            </p:childTnLst>
+                          </p:cTn>
+                        </p:par>
+                      </p:childTnLst>
+                    </p:cTn>
+                  </p:par>
+                </p:childTnLst>
+              </p:cTn>
+              <p:prevCondLst>
+                <p:cond evt="onPrev" delay="0">
+                  <p:tgtEl>
+                    <p:sldTgt/>
+                  </p:tgtEl>
+                </p:cond>
+              </p:prevCondLst>
+              <p:nextCondLst>
+                <p:cond evt="onNext" delay="0">
+                  <p:tgtEl>
+                    <p:sldTgt/>
+                  </p:tgtEl>
+                </p:cond>
+              </p:nextCondLst>
+            </p:seq>
+          </p:childTnLst>
+        </p:cTn>
+      </p:par>
+    </p:tnLst>
+  </p:timing>
 </p:sld>
 </file>
 
